--- a/Slide_bao_cao_nhom02/Báo_cáo_XD_PMTMHPL_Nhóm_2.pptx
+++ b/Slide_bao_cao_nhom02/Báo_cáo_XD_PMTMHPL_Nhóm_2.pptx
@@ -5,29 +5,33 @@
     <p:sldMasterId id="2147483648" r:id="rId1"/>
   </p:sldMasterIdLst>
   <p:sldIdLst>
-    <p:sldId id="256" r:id="rId2"/>
-    <p:sldId id="258" r:id="rId3"/>
-    <p:sldId id="257" r:id="rId4"/>
-    <p:sldId id="259" r:id="rId5"/>
-    <p:sldId id="261" r:id="rId6"/>
+    <p:sldId id="256" r:id="rId3"/>
+    <p:sldId id="258" r:id="rId4"/>
+    <p:sldId id="257" r:id="rId5"/>
+    <p:sldId id="259" r:id="rId6"/>
+    <p:sldId id="261" r:id="rId7"/>
   </p:sldIdLst>
   <p:sldSz cx="18288000" cy="10287000"/>
   <p:notesSz cx="6858000" cy="9144000"/>
   <p:embeddedFontLst>
     <p:embeddedFont>
-      <p:font typeface="Public Sans Bold" panose="020B0604020202020204" charset="-93"/>
-      <p:regular r:id="rId7"/>
+      <p:font typeface="Sigmar One" panose="00000500000000000000"/>
+      <p:regular r:id="rId11"/>
     </p:embeddedFont>
     <p:embeddedFont>
-      <p:font typeface="Calibri" panose="020F0502020204030204" pitchFamily="34" charset="0"/>
-      <p:regular r:id="rId8"/>
-      <p:bold r:id="rId9"/>
-      <p:italic r:id="rId10"/>
-      <p:boldItalic r:id="rId11"/>
+      <p:font typeface="Sigmar One" panose="00000500000000000000" charset="-93"/>
+      <p:regular r:id="rId12"/>
     </p:embeddedFont>
     <p:embeddedFont>
-      <p:font typeface="Sigmar One" panose="020B0604020202020204" charset="-93"/>
-      <p:regular r:id="rId12"/>
+      <p:font typeface="Public Sans Bold"/>
+      <p:bold r:id="rId13"/>
+    </p:embeddedFont>
+    <p:embeddedFont>
+      <p:font typeface="Calibri" panose="020F0502020204030204" charset="0"/>
+      <p:regular r:id="rId14"/>
+      <p:bold r:id="rId15"/>
+      <p:italic r:id="rId16"/>
+      <p:boldItalic r:id="rId17"/>
     </p:embeddedFont>
   </p:embeddedFontLst>
   <p:defaultTextStyle>
@@ -125,22 +129,6 @@
       </a:defRPr>
     </a:lvl9pPr>
   </p:defaultTextStyle>
-  <p:extLst>
-    <p:ext uri="{EFAFB233-063F-42B5-8137-9DF3F51BA10A}">
-      <p15:sldGuideLst xmlns:p15="http://schemas.microsoft.com/office/powerpoint/2012/main">
-        <p15:guide id="1" orient="horz" pos="2160">
-          <p15:clr>
-            <a:srgbClr val="A4A3A4"/>
-          </p15:clr>
-        </p15:guide>
-        <p15:guide id="2" pos="2880">
-          <p15:clr>
-            <a:srgbClr val="A4A3A4"/>
-          </p15:clr>
-        </p15:guide>
-      </p15:sldGuideLst>
-    </p:ext>
-  </p:extLst>
 </p:presentation>
 </file>
 
@@ -325,8 +313,6 @@
           <a:p>
             <a:fld id="{1D8BD707-D9CF-40AE-B4C6-C98DA3205C09}" type="datetimeFigureOut">
               <a:rPr lang="en-US" smtClean="0"/>
-              <a:pPr/>
-              <a:t>12/6/2021</a:t>
             </a:fld>
             <a:endParaRPr lang="en-US"/>
           </a:p>
@@ -368,8 +354,6 @@
           <a:p>
             <a:fld id="{B6F15528-21DE-4FAA-801E-634DDDAF4B2B}" type="slidenum">
               <a:rPr lang="en-US" smtClean="0"/>
-              <a:pPr/>
-              <a:t>‹#›</a:t>
             </a:fld>
             <a:endParaRPr lang="en-US"/>
           </a:p>
@@ -443,6 +427,7 @@
               <a:rPr lang="en-US" smtClean="0"/>
               <a:t>Click to edit Master text styles</a:t>
             </a:r>
+            <a:endParaRPr lang="en-US" smtClean="0"/>
           </a:p>
           <a:p>
             <a:pPr lvl="1"/>
@@ -450,6 +435,7 @@
               <a:rPr lang="en-US" smtClean="0"/>
               <a:t>Second level</a:t>
             </a:r>
+            <a:endParaRPr lang="en-US" smtClean="0"/>
           </a:p>
           <a:p>
             <a:pPr lvl="2"/>
@@ -457,6 +443,7 @@
               <a:rPr lang="en-US" smtClean="0"/>
               <a:t>Third level</a:t>
             </a:r>
+            <a:endParaRPr lang="en-US" smtClean="0"/>
           </a:p>
           <a:p>
             <a:pPr lvl="3"/>
@@ -464,6 +451,7 @@
               <a:rPr lang="en-US" smtClean="0"/>
               <a:t>Fourth level</a:t>
             </a:r>
+            <a:endParaRPr lang="en-US" smtClean="0"/>
           </a:p>
           <a:p>
             <a:pPr lvl="4"/>
@@ -492,8 +480,6 @@
           <a:p>
             <a:fld id="{1D8BD707-D9CF-40AE-B4C6-C98DA3205C09}" type="datetimeFigureOut">
               <a:rPr lang="en-US" smtClean="0"/>
-              <a:pPr/>
-              <a:t>12/6/2021</a:t>
             </a:fld>
             <a:endParaRPr lang="en-US"/>
           </a:p>
@@ -535,8 +521,6 @@
           <a:p>
             <a:fld id="{B6F15528-21DE-4FAA-801E-634DDDAF4B2B}" type="slidenum">
               <a:rPr lang="en-US" smtClean="0"/>
-              <a:pPr/>
-              <a:t>‹#›</a:t>
             </a:fld>
             <a:endParaRPr lang="en-US"/>
           </a:p>
@@ -620,6 +604,7 @@
               <a:rPr lang="en-US" smtClean="0"/>
               <a:t>Click to edit Master text styles</a:t>
             </a:r>
+            <a:endParaRPr lang="en-US" smtClean="0"/>
           </a:p>
           <a:p>
             <a:pPr lvl="1"/>
@@ -627,6 +612,7 @@
               <a:rPr lang="en-US" smtClean="0"/>
               <a:t>Second level</a:t>
             </a:r>
+            <a:endParaRPr lang="en-US" smtClean="0"/>
           </a:p>
           <a:p>
             <a:pPr lvl="2"/>
@@ -634,6 +620,7 @@
               <a:rPr lang="en-US" smtClean="0"/>
               <a:t>Third level</a:t>
             </a:r>
+            <a:endParaRPr lang="en-US" smtClean="0"/>
           </a:p>
           <a:p>
             <a:pPr lvl="3"/>
@@ -641,6 +628,7 @@
               <a:rPr lang="en-US" smtClean="0"/>
               <a:t>Fourth level</a:t>
             </a:r>
+            <a:endParaRPr lang="en-US" smtClean="0"/>
           </a:p>
           <a:p>
             <a:pPr lvl="4"/>
@@ -669,8 +657,6 @@
           <a:p>
             <a:fld id="{1D8BD707-D9CF-40AE-B4C6-C98DA3205C09}" type="datetimeFigureOut">
               <a:rPr lang="en-US" smtClean="0"/>
-              <a:pPr/>
-              <a:t>12/6/2021</a:t>
             </a:fld>
             <a:endParaRPr lang="en-US"/>
           </a:p>
@@ -712,8 +698,6 @@
           <a:p>
             <a:fld id="{B6F15528-21DE-4FAA-801E-634DDDAF4B2B}" type="slidenum">
               <a:rPr lang="en-US" smtClean="0"/>
-              <a:pPr/>
-              <a:t>‹#›</a:t>
             </a:fld>
             <a:endParaRPr lang="en-US"/>
           </a:p>
@@ -787,6 +771,7 @@
               <a:rPr lang="en-US" smtClean="0"/>
               <a:t>Click to edit Master text styles</a:t>
             </a:r>
+            <a:endParaRPr lang="en-US" smtClean="0"/>
           </a:p>
           <a:p>
             <a:pPr lvl="1"/>
@@ -794,6 +779,7 @@
               <a:rPr lang="en-US" smtClean="0"/>
               <a:t>Second level</a:t>
             </a:r>
+            <a:endParaRPr lang="en-US" smtClean="0"/>
           </a:p>
           <a:p>
             <a:pPr lvl="2"/>
@@ -801,6 +787,7 @@
               <a:rPr lang="en-US" smtClean="0"/>
               <a:t>Third level</a:t>
             </a:r>
+            <a:endParaRPr lang="en-US" smtClean="0"/>
           </a:p>
           <a:p>
             <a:pPr lvl="3"/>
@@ -808,6 +795,7 @@
               <a:rPr lang="en-US" smtClean="0"/>
               <a:t>Fourth level</a:t>
             </a:r>
+            <a:endParaRPr lang="en-US" smtClean="0"/>
           </a:p>
           <a:p>
             <a:pPr lvl="4"/>
@@ -836,8 +824,6 @@
           <a:p>
             <a:fld id="{1D8BD707-D9CF-40AE-B4C6-C98DA3205C09}" type="datetimeFigureOut">
               <a:rPr lang="en-US" smtClean="0"/>
-              <a:pPr/>
-              <a:t>12/6/2021</a:t>
             </a:fld>
             <a:endParaRPr lang="en-US"/>
           </a:p>
@@ -879,8 +865,6 @@
           <a:p>
             <a:fld id="{B6F15528-21DE-4FAA-801E-634DDDAF4B2B}" type="slidenum">
               <a:rPr lang="en-US" smtClean="0"/>
-              <a:pPr/>
-              <a:t>‹#›</a:t>
             </a:fld>
             <a:endParaRPr lang="en-US"/>
           </a:p>
@@ -1059,6 +1043,7 @@
               <a:rPr lang="en-US" smtClean="0"/>
               <a:t>Click to edit Master text styles</a:t>
             </a:r>
+            <a:endParaRPr lang="en-US" smtClean="0"/>
           </a:p>
         </p:txBody>
       </p:sp>
@@ -1079,8 +1064,6 @@
           <a:p>
             <a:fld id="{1D8BD707-D9CF-40AE-B4C6-C98DA3205C09}" type="datetimeFigureOut">
               <a:rPr lang="en-US" smtClean="0"/>
-              <a:pPr/>
-              <a:t>12/6/2021</a:t>
             </a:fld>
             <a:endParaRPr lang="en-US"/>
           </a:p>
@@ -1122,8 +1105,6 @@
           <a:p>
             <a:fld id="{B6F15528-21DE-4FAA-801E-634DDDAF4B2B}" type="slidenum">
               <a:rPr lang="en-US" smtClean="0"/>
-              <a:pPr/>
-              <a:t>‹#›</a:t>
             </a:fld>
             <a:endParaRPr lang="en-US"/>
           </a:p>
@@ -1230,6 +1211,7 @@
               <a:rPr lang="en-US" smtClean="0"/>
               <a:t>Click to edit Master text styles</a:t>
             </a:r>
+            <a:endParaRPr lang="en-US" smtClean="0"/>
           </a:p>
           <a:p>
             <a:pPr lvl="1"/>
@@ -1237,6 +1219,7 @@
               <a:rPr lang="en-US" smtClean="0"/>
               <a:t>Second level</a:t>
             </a:r>
+            <a:endParaRPr lang="en-US" smtClean="0"/>
           </a:p>
           <a:p>
             <a:pPr lvl="2"/>
@@ -1244,6 +1227,7 @@
               <a:rPr lang="en-US" smtClean="0"/>
               <a:t>Third level</a:t>
             </a:r>
+            <a:endParaRPr lang="en-US" smtClean="0"/>
           </a:p>
           <a:p>
             <a:pPr lvl="3"/>
@@ -1251,6 +1235,7 @@
               <a:rPr lang="en-US" smtClean="0"/>
               <a:t>Fourth level</a:t>
             </a:r>
+            <a:endParaRPr lang="en-US" smtClean="0"/>
           </a:p>
           <a:p>
             <a:pPr lvl="4"/>
@@ -1315,6 +1300,7 @@
               <a:rPr lang="en-US" smtClean="0"/>
               <a:t>Click to edit Master text styles</a:t>
             </a:r>
+            <a:endParaRPr lang="en-US" smtClean="0"/>
           </a:p>
           <a:p>
             <a:pPr lvl="1"/>
@@ -1322,6 +1308,7 @@
               <a:rPr lang="en-US" smtClean="0"/>
               <a:t>Second level</a:t>
             </a:r>
+            <a:endParaRPr lang="en-US" smtClean="0"/>
           </a:p>
           <a:p>
             <a:pPr lvl="2"/>
@@ -1329,6 +1316,7 @@
               <a:rPr lang="en-US" smtClean="0"/>
               <a:t>Third level</a:t>
             </a:r>
+            <a:endParaRPr lang="en-US" smtClean="0"/>
           </a:p>
           <a:p>
             <a:pPr lvl="3"/>
@@ -1336,6 +1324,7 @@
               <a:rPr lang="en-US" smtClean="0"/>
               <a:t>Fourth level</a:t>
             </a:r>
+            <a:endParaRPr lang="en-US" smtClean="0"/>
           </a:p>
           <a:p>
             <a:pPr lvl="4"/>
@@ -1364,8 +1353,6 @@
           <a:p>
             <a:fld id="{1D8BD707-D9CF-40AE-B4C6-C98DA3205C09}" type="datetimeFigureOut">
               <a:rPr lang="en-US" smtClean="0"/>
-              <a:pPr/>
-              <a:t>12/6/2021</a:t>
             </a:fld>
             <a:endParaRPr lang="en-US"/>
           </a:p>
@@ -1407,8 +1394,6 @@
           <a:p>
             <a:fld id="{B6F15528-21DE-4FAA-801E-634DDDAF4B2B}" type="slidenum">
               <a:rPr lang="en-US" smtClean="0"/>
-              <a:pPr/>
-              <a:t>‹#›</a:t>
             </a:fld>
             <a:endParaRPr lang="en-US"/>
           </a:p>
@@ -1528,6 +1513,7 @@
               <a:rPr lang="en-US" smtClean="0"/>
               <a:t>Click to edit Master text styles</a:t>
             </a:r>
+            <a:endParaRPr lang="en-US" smtClean="0"/>
           </a:p>
         </p:txBody>
       </p:sp>
@@ -1584,6 +1570,7 @@
               <a:rPr lang="en-US" smtClean="0"/>
               <a:t>Click to edit Master text styles</a:t>
             </a:r>
+            <a:endParaRPr lang="en-US" smtClean="0"/>
           </a:p>
           <a:p>
             <a:pPr lvl="1"/>
@@ -1591,6 +1578,7 @@
               <a:rPr lang="en-US" smtClean="0"/>
               <a:t>Second level</a:t>
             </a:r>
+            <a:endParaRPr lang="en-US" smtClean="0"/>
           </a:p>
           <a:p>
             <a:pPr lvl="2"/>
@@ -1598,6 +1586,7 @@
               <a:rPr lang="en-US" smtClean="0"/>
               <a:t>Third level</a:t>
             </a:r>
+            <a:endParaRPr lang="en-US" smtClean="0"/>
           </a:p>
           <a:p>
             <a:pPr lvl="3"/>
@@ -1605,6 +1594,7 @@
               <a:rPr lang="en-US" smtClean="0"/>
               <a:t>Fourth level</a:t>
             </a:r>
+            <a:endParaRPr lang="en-US" smtClean="0"/>
           </a:p>
           <a:p>
             <a:pPr lvl="4"/>
@@ -1678,6 +1668,7 @@
               <a:rPr lang="en-US" smtClean="0"/>
               <a:t>Click to edit Master text styles</a:t>
             </a:r>
+            <a:endParaRPr lang="en-US" smtClean="0"/>
           </a:p>
         </p:txBody>
       </p:sp>
@@ -1734,6 +1725,7 @@
               <a:rPr lang="en-US" smtClean="0"/>
               <a:t>Click to edit Master text styles</a:t>
             </a:r>
+            <a:endParaRPr lang="en-US" smtClean="0"/>
           </a:p>
           <a:p>
             <a:pPr lvl="1"/>
@@ -1741,6 +1733,7 @@
               <a:rPr lang="en-US" smtClean="0"/>
               <a:t>Second level</a:t>
             </a:r>
+            <a:endParaRPr lang="en-US" smtClean="0"/>
           </a:p>
           <a:p>
             <a:pPr lvl="2"/>
@@ -1748,6 +1741,7 @@
               <a:rPr lang="en-US" smtClean="0"/>
               <a:t>Third level</a:t>
             </a:r>
+            <a:endParaRPr lang="en-US" smtClean="0"/>
           </a:p>
           <a:p>
             <a:pPr lvl="3"/>
@@ -1755,6 +1749,7 @@
               <a:rPr lang="en-US" smtClean="0"/>
               <a:t>Fourth level</a:t>
             </a:r>
+            <a:endParaRPr lang="en-US" smtClean="0"/>
           </a:p>
           <a:p>
             <a:pPr lvl="4"/>
@@ -1783,8 +1778,6 @@
           <a:p>
             <a:fld id="{1D8BD707-D9CF-40AE-B4C6-C98DA3205C09}" type="datetimeFigureOut">
               <a:rPr lang="en-US" smtClean="0"/>
-              <a:pPr/>
-              <a:t>12/6/2021</a:t>
             </a:fld>
             <a:endParaRPr lang="en-US"/>
           </a:p>
@@ -1826,8 +1819,6 @@
           <a:p>
             <a:fld id="{B6F15528-21DE-4FAA-801E-634DDDAF4B2B}" type="slidenum">
               <a:rPr lang="en-US" smtClean="0"/>
-              <a:pPr/>
-              <a:t>‹#›</a:t>
             </a:fld>
             <a:endParaRPr lang="en-US"/>
           </a:p>
@@ -1898,8 +1889,6 @@
           <a:p>
             <a:fld id="{1D8BD707-D9CF-40AE-B4C6-C98DA3205C09}" type="datetimeFigureOut">
               <a:rPr lang="en-US" smtClean="0"/>
-              <a:pPr/>
-              <a:t>12/6/2021</a:t>
             </a:fld>
             <a:endParaRPr lang="en-US"/>
           </a:p>
@@ -1941,8 +1930,6 @@
           <a:p>
             <a:fld id="{B6F15528-21DE-4FAA-801E-634DDDAF4B2B}" type="slidenum">
               <a:rPr lang="en-US" smtClean="0"/>
-              <a:pPr/>
-              <a:t>‹#›</a:t>
             </a:fld>
             <a:endParaRPr lang="en-US"/>
           </a:p>
@@ -1990,8 +1977,6 @@
           <a:p>
             <a:fld id="{1D8BD707-D9CF-40AE-B4C6-C98DA3205C09}" type="datetimeFigureOut">
               <a:rPr lang="en-US" smtClean="0"/>
-              <a:pPr/>
-              <a:t>12/6/2021</a:t>
             </a:fld>
             <a:endParaRPr lang="en-US"/>
           </a:p>
@@ -2033,8 +2018,6 @@
           <a:p>
             <a:fld id="{B6F15528-21DE-4FAA-801E-634DDDAF4B2B}" type="slidenum">
               <a:rPr lang="en-US" smtClean="0"/>
-              <a:pPr/>
-              <a:t>‹#›</a:t>
             </a:fld>
             <a:endParaRPr lang="en-US"/>
           </a:p>
@@ -2150,6 +2133,7 @@
               <a:rPr lang="en-US" smtClean="0"/>
               <a:t>Click to edit Master text styles</a:t>
             </a:r>
+            <a:endParaRPr lang="en-US" smtClean="0"/>
           </a:p>
           <a:p>
             <a:pPr lvl="1"/>
@@ -2157,6 +2141,7 @@
               <a:rPr lang="en-US" smtClean="0"/>
               <a:t>Second level</a:t>
             </a:r>
+            <a:endParaRPr lang="en-US" smtClean="0"/>
           </a:p>
           <a:p>
             <a:pPr lvl="2"/>
@@ -2164,6 +2149,7 @@
               <a:rPr lang="en-US" smtClean="0"/>
               <a:t>Third level</a:t>
             </a:r>
+            <a:endParaRPr lang="en-US" smtClean="0"/>
           </a:p>
           <a:p>
             <a:pPr lvl="3"/>
@@ -2171,6 +2157,7 @@
               <a:rPr lang="en-US" smtClean="0"/>
               <a:t>Fourth level</a:t>
             </a:r>
+            <a:endParaRPr lang="en-US" smtClean="0"/>
           </a:p>
           <a:p>
             <a:pPr lvl="4"/>
@@ -2244,6 +2231,7 @@
               <a:rPr lang="en-US" smtClean="0"/>
               <a:t>Click to edit Master text styles</a:t>
             </a:r>
+            <a:endParaRPr lang="en-US" smtClean="0"/>
           </a:p>
         </p:txBody>
       </p:sp>
@@ -2264,8 +2252,6 @@
           <a:p>
             <a:fld id="{1D8BD707-D9CF-40AE-B4C6-C98DA3205C09}" type="datetimeFigureOut">
               <a:rPr lang="en-US" smtClean="0"/>
-              <a:pPr/>
-              <a:t>12/6/2021</a:t>
             </a:fld>
             <a:endParaRPr lang="en-US"/>
           </a:p>
@@ -2307,8 +2293,6 @@
           <a:p>
             <a:fld id="{B6F15528-21DE-4FAA-801E-634DDDAF4B2B}" type="slidenum">
               <a:rPr lang="en-US" smtClean="0"/>
-              <a:pPr/>
-              <a:t>‹#›</a:t>
             </a:fld>
             <a:endParaRPr lang="en-US"/>
           </a:p>
@@ -2494,6 +2478,7 @@
               <a:rPr lang="en-US" smtClean="0"/>
               <a:t>Click to edit Master text styles</a:t>
             </a:r>
+            <a:endParaRPr lang="en-US" smtClean="0"/>
           </a:p>
         </p:txBody>
       </p:sp>
@@ -2514,8 +2499,6 @@
           <a:p>
             <a:fld id="{1D8BD707-D9CF-40AE-B4C6-C98DA3205C09}" type="datetimeFigureOut">
               <a:rPr lang="en-US" smtClean="0"/>
-              <a:pPr/>
-              <a:t>12/6/2021</a:t>
             </a:fld>
             <a:endParaRPr lang="en-US"/>
           </a:p>
@@ -2557,8 +2540,6 @@
           <a:p>
             <a:fld id="{B6F15528-21DE-4FAA-801E-634DDDAF4B2B}" type="slidenum">
               <a:rPr lang="en-US" smtClean="0"/>
-              <a:pPr/>
-              <a:t>‹#›</a:t>
             </a:fld>
             <a:endParaRPr lang="en-US"/>
           </a:p>
@@ -2657,6 +2638,7 @@
               <a:rPr lang="en-US" smtClean="0"/>
               <a:t>Click to edit Master text styles</a:t>
             </a:r>
+            <a:endParaRPr lang="en-US" smtClean="0"/>
           </a:p>
           <a:p>
             <a:pPr lvl="1"/>
@@ -2664,6 +2646,7 @@
               <a:rPr lang="en-US" smtClean="0"/>
               <a:t>Second level</a:t>
             </a:r>
+            <a:endParaRPr lang="en-US" smtClean="0"/>
           </a:p>
           <a:p>
             <a:pPr lvl="2"/>
@@ -2671,6 +2654,7 @@
               <a:rPr lang="en-US" smtClean="0"/>
               <a:t>Third level</a:t>
             </a:r>
+            <a:endParaRPr lang="en-US" smtClean="0"/>
           </a:p>
           <a:p>
             <a:pPr lvl="3"/>
@@ -2678,6 +2662,7 @@
               <a:rPr lang="en-US" smtClean="0"/>
               <a:t>Fourth level</a:t>
             </a:r>
+            <a:endParaRPr lang="en-US" smtClean="0"/>
           </a:p>
           <a:p>
             <a:pPr lvl="4"/>
@@ -2724,8 +2709,6 @@
           <a:p>
             <a:fld id="{1D8BD707-D9CF-40AE-B4C6-C98DA3205C09}" type="datetimeFigureOut">
               <a:rPr lang="en-US" smtClean="0"/>
-              <a:pPr/>
-              <a:t>12/6/2021</a:t>
             </a:fld>
             <a:endParaRPr lang="en-US"/>
           </a:p>
@@ -2803,8 +2786,6 @@
           <a:p>
             <a:fld id="{B6F15528-21DE-4FAA-801E-634DDDAF4B2B}" type="slidenum">
               <a:rPr lang="en-US" smtClean="0"/>
-              <a:pPr/>
-              <a:t>‹#›</a:t>
             </a:fld>
             <a:endParaRPr lang="en-US"/>
           </a:p>
@@ -2848,7 +2829,7 @@
         <a:spcBef>
           <a:spcPct val="20000"/>
         </a:spcBef>
-        <a:buFont typeface="Arial" pitchFamily="34" charset="0"/>
+        <a:buFont typeface="Arial" panose="020B0604020202020204" pitchFamily="34" charset="0"/>
         <a:buChar char="•"/>
         <a:defRPr sz="3200" kern="1200">
           <a:solidFill>
@@ -2863,7 +2844,7 @@
         <a:spcBef>
           <a:spcPct val="20000"/>
         </a:spcBef>
-        <a:buFont typeface="Arial" pitchFamily="34" charset="0"/>
+        <a:buFont typeface="Arial" panose="020B0604020202020204" pitchFamily="34" charset="0"/>
         <a:buChar char="–"/>
         <a:defRPr sz="2800" kern="1200">
           <a:solidFill>
@@ -2878,7 +2859,7 @@
         <a:spcBef>
           <a:spcPct val="20000"/>
         </a:spcBef>
-        <a:buFont typeface="Arial" pitchFamily="34" charset="0"/>
+        <a:buFont typeface="Arial" panose="020B0604020202020204" pitchFamily="34" charset="0"/>
         <a:buChar char="•"/>
         <a:defRPr sz="2400" kern="1200">
           <a:solidFill>
@@ -2893,7 +2874,7 @@
         <a:spcBef>
           <a:spcPct val="20000"/>
         </a:spcBef>
-        <a:buFont typeface="Arial" pitchFamily="34" charset="0"/>
+        <a:buFont typeface="Arial" panose="020B0604020202020204" pitchFamily="34" charset="0"/>
         <a:buChar char="–"/>
         <a:defRPr sz="2000" kern="1200">
           <a:solidFill>
@@ -2908,7 +2889,7 @@
         <a:spcBef>
           <a:spcPct val="20000"/>
         </a:spcBef>
-        <a:buFont typeface="Arial" pitchFamily="34" charset="0"/>
+        <a:buFont typeface="Arial" panose="020B0604020202020204" pitchFamily="34" charset="0"/>
         <a:buChar char="»"/>
         <a:defRPr sz="2000" kern="1200">
           <a:solidFill>
@@ -2923,7 +2904,7 @@
         <a:spcBef>
           <a:spcPct val="20000"/>
         </a:spcBef>
-        <a:buFont typeface="Arial" pitchFamily="34" charset="0"/>
+        <a:buFont typeface="Arial" panose="020B0604020202020204" pitchFamily="34" charset="0"/>
         <a:buChar char="•"/>
         <a:defRPr sz="2000" kern="1200">
           <a:solidFill>
@@ -2938,7 +2919,7 @@
         <a:spcBef>
           <a:spcPct val="20000"/>
         </a:spcBef>
-        <a:buFont typeface="Arial" pitchFamily="34" charset="0"/>
+        <a:buFont typeface="Arial" panose="020B0604020202020204" pitchFamily="34" charset="0"/>
         <a:buChar char="•"/>
         <a:defRPr sz="2000" kern="1200">
           <a:solidFill>
@@ -2953,7 +2934,7 @@
         <a:spcBef>
           <a:spcPct val="20000"/>
         </a:spcBef>
-        <a:buFont typeface="Arial" pitchFamily="34" charset="0"/>
+        <a:buFont typeface="Arial" panose="020B0604020202020204" pitchFamily="34" charset="0"/>
         <a:buChar char="•"/>
         <a:defRPr sz="2000" kern="1200">
           <a:solidFill>
@@ -2968,7 +2949,7 @@
         <a:spcBef>
           <a:spcPct val="20000"/>
         </a:spcBef>
-        <a:buFont typeface="Arial" pitchFamily="34" charset="0"/>
+        <a:buFont typeface="Arial" panose="020B0604020202020204" pitchFamily="34" charset="0"/>
         <a:buChar char="•"/>
         <a:defRPr sz="2000" kern="1200">
           <a:solidFill>
@@ -3105,7 +3086,7 @@
           <p:nvPr/>
         </p:nvPicPr>
         <p:blipFill>
-          <a:blip r:embed="rId2"/>
+          <a:blip r:embed="rId1"/>
           <a:stretch>
             <a:fillRect/>
           </a:stretch>
@@ -3127,7 +3108,7 @@
           <p:nvPr/>
         </p:nvPicPr>
         <p:blipFill>
-          <a:blip r:embed="rId3"/>
+          <a:blip r:embed="rId2"/>
           <a:stretch>
             <a:fillRect/>
           </a:stretch>
@@ -3151,7 +3132,7 @@
           <p:nvPr/>
         </p:nvPicPr>
         <p:blipFill>
-          <a:blip r:embed="rId4"/>
+          <a:blip r:embed="rId3"/>
           <a:stretch>
             <a:fillRect/>
           </a:stretch>
@@ -3175,7 +3156,7 @@
           <p:nvPr/>
         </p:nvPicPr>
         <p:blipFill>
-          <a:blip r:embed="rId5"/>
+          <a:blip r:embed="rId4"/>
           <a:stretch>
             <a:fillRect/>
           </a:stretch>
@@ -3199,7 +3180,7 @@
           <p:nvPr/>
         </p:nvPicPr>
         <p:blipFill>
-          <a:blip r:embed="rId6"/>
+          <a:blip r:embed="rId5"/>
           <a:stretch>
             <a:fillRect/>
           </a:stretch>
@@ -3235,9 +3216,9 @@
           </a:bodyPr>
           <a:lstStyle/>
           <a:p>
-            <a:pPr indent="609585" algn="ctr">
+            <a:pPr indent="609600" algn="ctr">
               <a:tabLst>
-                <a:tab pos="4952876" algn="l"/>
+                <a:tab pos="4952365" algn="l"/>
               </a:tabLst>
             </a:pPr>
             <a:r>
@@ -3253,9 +3234,9 @@
             </a:endParaRPr>
           </a:p>
           <a:p>
-            <a:pPr indent="609585" algn="ctr">
+            <a:pPr indent="609600" algn="ctr">
               <a:tabLst>
-                <a:tab pos="4952876" algn="l"/>
+                <a:tab pos="4952365" algn="l"/>
               </a:tabLst>
             </a:pPr>
             <a:r>
@@ -3293,9 +3274,9 @@
           </a:bodyPr>
           <a:lstStyle/>
           <a:p>
-            <a:pPr indent="609585" algn="ctr">
+            <a:pPr indent="609600" algn="ctr">
               <a:tabLst>
-                <a:tab pos="4952876" algn="l"/>
+                <a:tab pos="4952365" algn="l"/>
               </a:tabLst>
             </a:pPr>
             <a:r>
@@ -3435,9 +3416,9 @@
             </a:endParaRPr>
           </a:p>
           <a:p>
-            <a:pPr indent="609585" algn="ctr">
+            <a:pPr indent="609600" algn="ctr">
               <a:tabLst>
-                <a:tab pos="4952876" algn="l"/>
+                <a:tab pos="4952365" algn="l"/>
               </a:tabLst>
             </a:pPr>
             <a:r>
@@ -3543,13 +3524,13 @@
   <p:clrMapOvr>
     <a:masterClrMapping/>
   </p:clrMapOvr>
-  <mc:AlternateContent xmlns:mc="http://schemas.openxmlformats.org/markup-compatibility/2006" xmlns:p14="http://schemas.microsoft.com/office/powerpoint/2010/main">
-    <mc:Choice Requires="p14">
+  <mc:AlternateContent xmlns:mc="http://schemas.openxmlformats.org/markup-compatibility/2006">
+    <mc:Choice xmlns:p14="http://schemas.microsoft.com/office/powerpoint/2010/main" Requires="p14">
       <p:transition spd="med" p14:dur="700">
         <p:fade/>
       </p:transition>
     </mc:Choice>
-    <mc:Fallback xmlns="">
+    <mc:Fallback>
       <p:transition spd="med">
         <p:fade/>
       </p:transition>
@@ -3632,7 +3613,7 @@
           <a:p>
             <a:pPr marL="0" lvl="0" indent="0">
               <a:lnSpc>
-                <a:spcPts val="8717"/>
+                <a:spcPts val="8715"/>
               </a:lnSpc>
               <a:spcBef>
                 <a:spcPct val="0"/>
@@ -3643,7 +3624,7 @@
                 <a:solidFill>
                   <a:srgbClr val="32478C"/>
                 </a:solidFill>
-                <a:latin typeface="Sigmar One"/>
+                <a:latin typeface="Sigmar One" panose="00000500000000000000"/>
               </a:rPr>
               <a:t>Các</a:t>
             </a:r>
@@ -3652,7 +3633,7 @@
                 <a:solidFill>
                   <a:srgbClr val="32478C"/>
                 </a:solidFill>
-                <a:latin typeface="Sigmar One"/>
+                <a:latin typeface="Sigmar One" panose="00000500000000000000"/>
               </a:rPr>
               <a:t> </a:t>
             </a:r>
@@ -3661,7 +3642,7 @@
                 <a:solidFill>
                   <a:srgbClr val="32478C"/>
                 </a:solidFill>
-                <a:latin typeface="Sigmar One"/>
+                <a:latin typeface="Sigmar One" panose="00000500000000000000"/>
               </a:rPr>
               <a:t>chức</a:t>
             </a:r>
@@ -3670,7 +3651,7 @@
                 <a:solidFill>
                   <a:srgbClr val="32478C"/>
                 </a:solidFill>
-                <a:latin typeface="Sigmar One"/>
+                <a:latin typeface="Sigmar One" panose="00000500000000000000"/>
               </a:rPr>
               <a:t> </a:t>
             </a:r>
@@ -3679,7 +3660,7 @@
                 <a:solidFill>
                   <a:srgbClr val="32478C"/>
                 </a:solidFill>
-                <a:latin typeface="Sigmar One"/>
+                <a:latin typeface="Sigmar One" panose="00000500000000000000"/>
               </a:rPr>
               <a:t>năng</a:t>
             </a:r>
@@ -3688,7 +3669,7 @@
                 <a:solidFill>
                   <a:srgbClr val="32478C"/>
                 </a:solidFill>
-                <a:latin typeface="Sigmar One"/>
+                <a:latin typeface="Sigmar One" panose="00000500000000000000"/>
               </a:rPr>
               <a:t> </a:t>
             </a:r>
@@ -3697,7 +3678,7 @@
                 <a:solidFill>
                   <a:srgbClr val="32478C"/>
                 </a:solidFill>
-                <a:latin typeface="Sigmar One"/>
+                <a:latin typeface="Sigmar One" panose="00000500000000000000"/>
               </a:rPr>
               <a:t>của</a:t>
             </a:r>
@@ -3706,7 +3687,7 @@
                 <a:solidFill>
                   <a:srgbClr val="32478C"/>
                 </a:solidFill>
-                <a:latin typeface="Sigmar One"/>
+                <a:latin typeface="Sigmar One" panose="00000500000000000000"/>
               </a:rPr>
               <a:t> </a:t>
             </a:r>
@@ -3715,7 +3696,7 @@
                 <a:solidFill>
                   <a:srgbClr val="32478C"/>
                 </a:solidFill>
-                <a:latin typeface="Sigmar One"/>
+                <a:latin typeface="Sigmar One" panose="00000500000000000000"/>
               </a:rPr>
               <a:t>hệ</a:t>
             </a:r>
@@ -3724,7 +3705,7 @@
                 <a:solidFill>
                   <a:srgbClr val="32478C"/>
                 </a:solidFill>
-                <a:latin typeface="Sigmar One"/>
+                <a:latin typeface="Sigmar One" panose="00000500000000000000"/>
               </a:rPr>
               <a:t> </a:t>
             </a:r>
@@ -3733,7 +3714,7 @@
                 <a:solidFill>
                   <a:srgbClr val="32478C"/>
                 </a:solidFill>
-                <a:latin typeface="Sigmar One"/>
+                <a:latin typeface="Sigmar One" panose="00000500000000000000"/>
               </a:rPr>
               <a:t>thống</a:t>
             </a:r>
@@ -3741,7 +3722,7 @@
               <a:solidFill>
                 <a:srgbClr val="32478C"/>
               </a:solidFill>
-              <a:latin typeface="Sigmar One"/>
+              <a:latin typeface="Sigmar One" panose="00000500000000000000"/>
             </a:endParaRPr>
           </a:p>
         </p:txBody>
@@ -3752,13 +3733,7 @@
           <p:cNvGraphicFramePr>
             <a:graphicFrameLocks noGrp="1"/>
           </p:cNvGraphicFramePr>
-          <p:nvPr>
-            <p:extLst>
-              <p:ext uri="{D42A27DB-BD31-4B8C-83A1-F6EECF244321}">
-                <p14:modId xmlns:p14="http://schemas.microsoft.com/office/powerpoint/2010/main" val="3343291813"/>
-              </p:ext>
-            </p:extLst>
-          </p:nvPr>
+          <p:nvPr/>
         </p:nvGraphicFramePr>
         <p:xfrm>
           <a:off x="1466850" y="2586990"/>
@@ -3771,20 +3746,8 @@
                 <a:tableStyleId>{5C22544A-7EE6-4342-B048-85BDC9FD1C3A}</a:tableStyleId>
               </a:tblPr>
               <a:tblGrid>
-                <a:gridCol w="6096000">
-                  <a:extLst>
-                    <a:ext uri="{9D8B030D-6E8A-4147-A177-3AD203B41FA5}">
-                      <a16:colId xmlns:a16="http://schemas.microsoft.com/office/drawing/2014/main" val="2112266071"/>
-                    </a:ext>
-                  </a:extLst>
-                </a:gridCol>
-                <a:gridCol w="6096000">
-                  <a:extLst>
-                    <a:ext uri="{9D8B030D-6E8A-4147-A177-3AD203B41FA5}">
-                      <a16:colId xmlns:a16="http://schemas.microsoft.com/office/drawing/2014/main" val="3188009688"/>
-                    </a:ext>
-                  </a:extLst>
-                </a:gridCol>
+                <a:gridCol w="6096000"/>
+                <a:gridCol w="6096000"/>
               </a:tblGrid>
               <a:tr h="370840">
                 <a:tc>
@@ -3833,11 +3796,6 @@
                   </a:txBody>
                   <a:tcPr/>
                 </a:tc>
-                <a:extLst>
-                  <a:ext uri="{0D108BD9-81ED-4DB2-BD59-A6C34878D82A}">
-                    <a16:rowId xmlns:a16="http://schemas.microsoft.com/office/drawing/2014/main" val="2716752168"/>
-                  </a:ext>
-                </a:extLst>
               </a:tr>
               <a:tr h="370840">
                 <a:tc rowSpan="7">
@@ -3847,24 +3805,24 @@
                     <a:p>
                       <a:r>
                         <a:rPr lang="en-US" sz="3200" dirty="0" err="1" smtClean="0">
-                          <a:latin typeface="Sigmar One" panose="020B0604020202020204" charset="-93"/>
+                          <a:latin typeface="Sigmar One" panose="00000500000000000000" charset="-93"/>
                         </a:rPr>
                         <a:t>Khách</a:t>
                       </a:r>
                       <a:r>
                         <a:rPr lang="en-US" sz="3200" baseline="0" dirty="0" smtClean="0">
-                          <a:latin typeface="Sigmar One" panose="020B0604020202020204" charset="-93"/>
+                          <a:latin typeface="Sigmar One" panose="00000500000000000000" charset="-93"/>
                         </a:rPr>
                         <a:t> </a:t>
                       </a:r>
                       <a:r>
                         <a:rPr lang="en-US" sz="3200" baseline="0" dirty="0" err="1" smtClean="0">
-                          <a:latin typeface="Sigmar One" panose="020B0604020202020204" charset="-93"/>
+                          <a:latin typeface="Sigmar One" panose="00000500000000000000" charset="-93"/>
                         </a:rPr>
                         <a:t>hàng</a:t>
                       </a:r>
                       <a:endParaRPr lang="en-US" sz="3200" dirty="0">
-                        <a:latin typeface="Sigmar One" panose="020B0604020202020204" charset="-93"/>
+                        <a:latin typeface="Sigmar One" panose="00000500000000000000" charset="-93"/>
                       </a:endParaRPr>
                     </a:p>
                   </a:txBody>
@@ -3892,21 +3850,9 @@
                   </a:txBody>
                   <a:tcPr/>
                 </a:tc>
-                <a:extLst>
-                  <a:ext uri="{0D108BD9-81ED-4DB2-BD59-A6C34878D82A}">
-                    <a16:rowId xmlns:a16="http://schemas.microsoft.com/office/drawing/2014/main" val="2394770667"/>
-                  </a:ext>
-                </a:extLst>
               </a:tr>
               <a:tr h="370840">
                 <a:tc vMerge="1">
-                  <a:txBody>
-                    <a:bodyPr/>
-                    <a:lstStyle/>
-                    <a:p>
-                      <a:endParaRPr lang="en-US" dirty="0"/>
-                    </a:p>
-                  </a:txBody>
                   <a:tcPr/>
                 </a:tc>
                 <a:tc>
@@ -3931,21 +3877,9 @@
                   </a:txBody>
                   <a:tcPr/>
                 </a:tc>
-                <a:extLst>
-                  <a:ext uri="{0D108BD9-81ED-4DB2-BD59-A6C34878D82A}">
-                    <a16:rowId xmlns:a16="http://schemas.microsoft.com/office/drawing/2014/main" val="2499510190"/>
-                  </a:ext>
-                </a:extLst>
               </a:tr>
               <a:tr h="370840">
                 <a:tc vMerge="1">
-                  <a:txBody>
-                    <a:bodyPr/>
-                    <a:lstStyle/>
-                    <a:p>
-                      <a:endParaRPr lang="en-US" dirty="0"/>
-                    </a:p>
-                  </a:txBody>
                   <a:tcPr/>
                 </a:tc>
                 <a:tc>
@@ -3978,21 +3912,9 @@
                   </a:txBody>
                   <a:tcPr/>
                 </a:tc>
-                <a:extLst>
-                  <a:ext uri="{0D108BD9-81ED-4DB2-BD59-A6C34878D82A}">
-                    <a16:rowId xmlns:a16="http://schemas.microsoft.com/office/drawing/2014/main" val="2125917986"/>
-                  </a:ext>
-                </a:extLst>
               </a:tr>
               <a:tr h="370840">
                 <a:tc vMerge="1">
-                  <a:txBody>
-                    <a:bodyPr/>
-                    <a:lstStyle/>
-                    <a:p>
-                      <a:endParaRPr lang="en-US" dirty="0"/>
-                    </a:p>
-                  </a:txBody>
                   <a:tcPr/>
                 </a:tc>
                 <a:tc>
@@ -4033,21 +3955,9 @@
                   </a:txBody>
                   <a:tcPr/>
                 </a:tc>
-                <a:extLst>
-                  <a:ext uri="{0D108BD9-81ED-4DB2-BD59-A6C34878D82A}">
-                    <a16:rowId xmlns:a16="http://schemas.microsoft.com/office/drawing/2014/main" val="1727105791"/>
-                  </a:ext>
-                </a:extLst>
               </a:tr>
               <a:tr h="370840">
                 <a:tc vMerge="1">
-                  <a:txBody>
-                    <a:bodyPr/>
-                    <a:lstStyle/>
-                    <a:p>
-                      <a:endParaRPr lang="en-US" dirty="0"/>
-                    </a:p>
-                  </a:txBody>
                   <a:tcPr/>
                 </a:tc>
                 <a:tc>
@@ -4100,21 +4010,9 @@
                   </a:txBody>
                   <a:tcPr/>
                 </a:tc>
-                <a:extLst>
-                  <a:ext uri="{0D108BD9-81ED-4DB2-BD59-A6C34878D82A}">
-                    <a16:rowId xmlns:a16="http://schemas.microsoft.com/office/drawing/2014/main" val="646945747"/>
-                  </a:ext>
-                </a:extLst>
               </a:tr>
               <a:tr h="370840">
                 <a:tc vMerge="1">
-                  <a:txBody>
-                    <a:bodyPr/>
-                    <a:lstStyle/>
-                    <a:p>
-                      <a:endParaRPr lang="en-US" dirty="0"/>
-                    </a:p>
-                  </a:txBody>
                   <a:tcPr/>
                 </a:tc>
                 <a:tc>
@@ -4147,21 +4045,9 @@
                   </a:txBody>
                   <a:tcPr/>
                 </a:tc>
-                <a:extLst>
-                  <a:ext uri="{0D108BD9-81ED-4DB2-BD59-A6C34878D82A}">
-                    <a16:rowId xmlns:a16="http://schemas.microsoft.com/office/drawing/2014/main" val="2446551874"/>
-                  </a:ext>
-                </a:extLst>
               </a:tr>
               <a:tr h="370840">
                 <a:tc vMerge="1">
-                  <a:txBody>
-                    <a:bodyPr/>
-                    <a:lstStyle/>
-                    <a:p>
-                      <a:endParaRPr lang="en-US" dirty="0"/>
-                    </a:p>
-                  </a:txBody>
                   <a:tcPr/>
                 </a:tc>
                 <a:tc>
@@ -4194,11 +4080,6 @@
                   </a:txBody>
                   <a:tcPr/>
                 </a:tc>
-                <a:extLst>
-                  <a:ext uri="{0D108BD9-81ED-4DB2-BD59-A6C34878D82A}">
-                    <a16:rowId xmlns:a16="http://schemas.microsoft.com/office/drawing/2014/main" val="3914761492"/>
-                  </a:ext>
-                </a:extLst>
               </a:tr>
               <a:tr h="370840">
                 <a:tc rowSpan="2">
@@ -4208,24 +4089,24 @@
                     <a:p>
                       <a:r>
                         <a:rPr lang="en-US" sz="3200" dirty="0" err="1" smtClean="0">
-                          <a:latin typeface="Sigmar One" panose="020B0604020202020204" charset="-93"/>
+                          <a:latin typeface="Sigmar One" panose="00000500000000000000" charset="-93"/>
                         </a:rPr>
                         <a:t>Nhân</a:t>
                       </a:r>
                       <a:r>
                         <a:rPr lang="en-US" sz="3200" baseline="0" dirty="0" smtClean="0">
-                          <a:latin typeface="Sigmar One" panose="020B0604020202020204" charset="-93"/>
+                          <a:latin typeface="Sigmar One" panose="00000500000000000000" charset="-93"/>
                         </a:rPr>
                         <a:t> </a:t>
                       </a:r>
                       <a:r>
                         <a:rPr lang="en-US" sz="3200" baseline="0" dirty="0" err="1" smtClean="0">
-                          <a:latin typeface="Sigmar One" panose="020B0604020202020204" charset="-93"/>
+                          <a:latin typeface="Sigmar One" panose="00000500000000000000" charset="-93"/>
                         </a:rPr>
                         <a:t>viên</a:t>
                       </a:r>
                       <a:endParaRPr lang="en-US" sz="3200" dirty="0">
-                        <a:latin typeface="Sigmar One" panose="020B0604020202020204" charset="-93"/>
+                        <a:latin typeface="Sigmar One" panose="00000500000000000000" charset="-93"/>
                       </a:endParaRPr>
                     </a:p>
                   </a:txBody>
@@ -4253,21 +4134,9 @@
                   </a:txBody>
                   <a:tcPr/>
                 </a:tc>
-                <a:extLst>
-                  <a:ext uri="{0D108BD9-81ED-4DB2-BD59-A6C34878D82A}">
-                    <a16:rowId xmlns:a16="http://schemas.microsoft.com/office/drawing/2014/main" val="2014581728"/>
-                  </a:ext>
-                </a:extLst>
               </a:tr>
               <a:tr h="370840">
                 <a:tc vMerge="1">
-                  <a:txBody>
-                    <a:bodyPr/>
-                    <a:lstStyle/>
-                    <a:p>
-                      <a:endParaRPr lang="en-US" dirty="0"/>
-                    </a:p>
-                  </a:txBody>
                   <a:tcPr/>
                 </a:tc>
                 <a:tc>
@@ -4328,11 +4197,6 @@
                   </a:txBody>
                   <a:tcPr/>
                 </a:tc>
-                <a:extLst>
-                  <a:ext uri="{0D108BD9-81ED-4DB2-BD59-A6C34878D82A}">
-                    <a16:rowId xmlns:a16="http://schemas.microsoft.com/office/drawing/2014/main" val="1953683782"/>
-                  </a:ext>
-                </a:extLst>
               </a:tr>
               <a:tr h="370840">
                 <a:tc rowSpan="5">
@@ -4342,36 +4206,36 @@
                     <a:p>
                       <a:r>
                         <a:rPr lang="en-US" sz="3200" dirty="0" err="1" smtClean="0">
-                          <a:latin typeface="Sigmar One" panose="020B0604020202020204" charset="-93"/>
+                          <a:latin typeface="Sigmar One" panose="00000500000000000000" charset="-93"/>
                         </a:rPr>
                         <a:t>Quản</a:t>
                       </a:r>
                       <a:r>
                         <a:rPr lang="en-US" sz="3200" baseline="0" dirty="0" smtClean="0">
-                          <a:latin typeface="Sigmar One" panose="020B0604020202020204" charset="-93"/>
+                          <a:latin typeface="Sigmar One" panose="00000500000000000000" charset="-93"/>
                         </a:rPr>
                         <a:t> </a:t>
                       </a:r>
                       <a:r>
                         <a:rPr lang="en-US" sz="3200" baseline="0" dirty="0" err="1" smtClean="0">
-                          <a:latin typeface="Sigmar One" panose="020B0604020202020204" charset="-93"/>
+                          <a:latin typeface="Sigmar One" panose="00000500000000000000" charset="-93"/>
                         </a:rPr>
                         <a:t>trị</a:t>
                       </a:r>
                       <a:r>
                         <a:rPr lang="en-US" sz="3200" baseline="0" dirty="0" smtClean="0">
-                          <a:latin typeface="Sigmar One" panose="020B0604020202020204" charset="-93"/>
+                          <a:latin typeface="Sigmar One" panose="00000500000000000000" charset="-93"/>
                         </a:rPr>
                         <a:t> </a:t>
                       </a:r>
                       <a:r>
                         <a:rPr lang="en-US" sz="3200" baseline="0" dirty="0" err="1" smtClean="0">
-                          <a:latin typeface="Sigmar One" panose="020B0604020202020204" charset="-93"/>
+                          <a:latin typeface="Sigmar One" panose="00000500000000000000" charset="-93"/>
                         </a:rPr>
                         <a:t>viên</a:t>
                       </a:r>
                       <a:endParaRPr lang="en-US" sz="3200" dirty="0">
-                        <a:latin typeface="Sigmar One" panose="020B0604020202020204" charset="-93"/>
+                        <a:latin typeface="Sigmar One" panose="00000500000000000000" charset="-93"/>
                       </a:endParaRPr>
                     </a:p>
                   </a:txBody>
@@ -4399,21 +4263,9 @@
                   </a:txBody>
                   <a:tcPr/>
                 </a:tc>
-                <a:extLst>
-                  <a:ext uri="{0D108BD9-81ED-4DB2-BD59-A6C34878D82A}">
-                    <a16:rowId xmlns:a16="http://schemas.microsoft.com/office/drawing/2014/main" val="527943116"/>
-                  </a:ext>
-                </a:extLst>
               </a:tr>
               <a:tr h="370840">
                 <a:tc vMerge="1">
-                  <a:txBody>
-                    <a:bodyPr/>
-                    <a:lstStyle/>
-                    <a:p>
-                      <a:endParaRPr lang="en-US" dirty="0"/>
-                    </a:p>
-                  </a:txBody>
                   <a:tcPr/>
                 </a:tc>
                 <a:tc>
@@ -4454,21 +4306,9 @@
                   </a:txBody>
                   <a:tcPr/>
                 </a:tc>
-                <a:extLst>
-                  <a:ext uri="{0D108BD9-81ED-4DB2-BD59-A6C34878D82A}">
-                    <a16:rowId xmlns:a16="http://schemas.microsoft.com/office/drawing/2014/main" val="1471328587"/>
-                  </a:ext>
-                </a:extLst>
               </a:tr>
-              <a:tr h="370840">
+              <a:tr h="457200">
                 <a:tc vMerge="1">
-                  <a:txBody>
-                    <a:bodyPr/>
-                    <a:lstStyle/>
-                    <a:p>
-                      <a:endParaRPr lang="en-US" dirty="0"/>
-                    </a:p>
-                  </a:txBody>
                   <a:tcPr/>
                 </a:tc>
                 <a:tc>
@@ -4645,25 +4485,22 @@
                         </a:rPr>
                         <a:t>)</a:t>
                       </a:r>
+                      <a:endParaRPr lang="en-US" sz="2400" b="0" i="0" kern="1200" dirty="0" smtClean="0">
+                        <a:solidFill>
+                          <a:schemeClr val="dk1"/>
+                        </a:solidFill>
+                        <a:effectLst/>
+                        <a:latin typeface="+mn-lt"/>
+                        <a:ea typeface="+mn-ea"/>
+                        <a:cs typeface="+mn-cs"/>
+                      </a:endParaRPr>
                     </a:p>
                   </a:txBody>
                   <a:tcPr/>
                 </a:tc>
-                <a:extLst>
-                  <a:ext uri="{0D108BD9-81ED-4DB2-BD59-A6C34878D82A}">
-                    <a16:rowId xmlns:a16="http://schemas.microsoft.com/office/drawing/2014/main" val="507489560"/>
-                  </a:ext>
-                </a:extLst>
               </a:tr>
               <a:tr h="370840">
                 <a:tc vMerge="1">
-                  <a:txBody>
-                    <a:bodyPr/>
-                    <a:lstStyle/>
-                    <a:p>
-                      <a:endParaRPr lang="en-US" dirty="0"/>
-                    </a:p>
-                  </a:txBody>
                   <a:tcPr/>
                 </a:tc>
                 <a:tc>
@@ -4685,7 +4522,6 @@
                         <a:buSzTx/>
                         <a:buFontTx/>
                         <a:buNone/>
-                        <a:tabLst/>
                         <a:defRPr/>
                       </a:pPr>
                       <a:r>
@@ -4721,21 +4557,9 @@
                   </a:txBody>
                   <a:tcPr/>
                 </a:tc>
-                <a:extLst>
-                  <a:ext uri="{0D108BD9-81ED-4DB2-BD59-A6C34878D82A}">
-                    <a16:rowId xmlns:a16="http://schemas.microsoft.com/office/drawing/2014/main" val="2310066111"/>
-                  </a:ext>
-                </a:extLst>
               </a:tr>
               <a:tr h="370840">
                 <a:tc vMerge="1">
-                  <a:txBody>
-                    <a:bodyPr/>
-                    <a:lstStyle/>
-                    <a:p>
-                      <a:endParaRPr lang="en-US" dirty="0"/>
-                    </a:p>
-                  </a:txBody>
                   <a:tcPr/>
                 </a:tc>
                 <a:tc>
@@ -4776,11 +4600,6 @@
                   </a:txBody>
                   <a:tcPr/>
                 </a:tc>
-                <a:extLst>
-                  <a:ext uri="{0D108BD9-81ED-4DB2-BD59-A6C34878D82A}">
-                    <a16:rowId xmlns:a16="http://schemas.microsoft.com/office/drawing/2014/main" val="2820958133"/>
-                  </a:ext>
-                </a:extLst>
               </a:tr>
             </a:tbl>
           </a:graphicData>
@@ -4791,13 +4610,13 @@
   <p:clrMapOvr>
     <a:masterClrMapping/>
   </p:clrMapOvr>
-  <mc:AlternateContent xmlns:mc="http://schemas.openxmlformats.org/markup-compatibility/2006" xmlns:p14="http://schemas.microsoft.com/office/powerpoint/2010/main">
-    <mc:Choice Requires="p14">
+  <mc:AlternateContent xmlns:mc="http://schemas.openxmlformats.org/markup-compatibility/2006">
+    <mc:Choice xmlns:p14="http://schemas.microsoft.com/office/powerpoint/2010/main" Requires="p14">
       <p:transition spd="med" p14:dur="700">
         <p:fade/>
       </p:transition>
     </mc:Choice>
-    <mc:Fallback xmlns="">
+    <mc:Fallback>
       <p:transition spd="med">
         <p:fade/>
       </p:transition>
@@ -5002,7 +4821,7 @@
           <a:p>
             <a:pPr marL="0" lvl="0" indent="0">
               <a:lnSpc>
-                <a:spcPts val="8717"/>
+                <a:spcPts val="8715"/>
               </a:lnSpc>
               <a:spcBef>
                 <a:spcPct val="0"/>
@@ -5013,7 +4832,7 @@
                 <a:solidFill>
                   <a:srgbClr val="F5ACAC"/>
                 </a:solidFill>
-                <a:latin typeface="Sigmar One"/>
+                <a:latin typeface="Sigmar One" panose="00000500000000000000"/>
               </a:rPr>
               <a:t>NHÓM </a:t>
             </a:r>
@@ -5022,7 +4841,7 @@
                 <a:solidFill>
                   <a:srgbClr val="F5ACAC"/>
                 </a:solidFill>
-                <a:latin typeface="Sigmar One"/>
+                <a:latin typeface="Sigmar One" panose="00000500000000000000"/>
               </a:rPr>
               <a:t>2</a:t>
             </a:r>
@@ -5030,7 +4849,7 @@
               <a:solidFill>
                 <a:srgbClr val="F5ACAC"/>
               </a:solidFill>
-              <a:latin typeface="Sigmar One"/>
+              <a:latin typeface="Sigmar One" panose="00000500000000000000"/>
             </a:endParaRPr>
           </a:p>
         </p:txBody>
@@ -5101,13 +4920,13 @@
           <p:nvPr/>
         </p:nvPicPr>
         <p:blipFill>
-          <a:blip r:embed="rId2">
+          <a:blip r:embed="rId1">
             <a:extLst>
               <a:ext uri="{28A0092B-C50C-407E-A947-70E740481C1C}">
                 <a14:useLocalDpi xmlns:a14="http://schemas.microsoft.com/office/drawing/2010/main" val="0"/>
               </a:ext>
               <a:ext uri="{96DAC541-7B7A-43D3-8B79-37D633B846F1}">
-                <asvg:svgBlip xmlns="" xmlns:asvg="http://schemas.microsoft.com/office/drawing/2016/SVG/main" r:embed="rId7"/>
+                <asvg:svgBlip xmlns:asvg="http://schemas.microsoft.com/office/drawing/2016/SVG/main" r:embed="rId2"/>
               </a:ext>
             </a:extLst>
           </a:blip>
@@ -5151,48 +4970,48 @@
             <a:pPr algn="ctr"/>
             <a:r>
               <a:rPr lang="en-US" sz="2400" dirty="0" err="1" smtClean="0">
-                <a:latin typeface="Sigmar One" panose="020B0604020202020204" charset="-93"/>
+                <a:latin typeface="Sigmar One" panose="00000500000000000000" charset="-93"/>
               </a:rPr>
               <a:t>Phạm</a:t>
             </a:r>
             <a:r>
               <a:rPr lang="en-US" sz="2400" dirty="0" smtClean="0">
-                <a:latin typeface="Sigmar One" panose="020B0604020202020204" charset="-93"/>
+                <a:latin typeface="Sigmar One" panose="00000500000000000000" charset="-93"/>
               </a:rPr>
               <a:t> </a:t>
             </a:r>
             <a:r>
               <a:rPr lang="en-US" sz="2400" dirty="0" err="1" smtClean="0">
-                <a:latin typeface="Sigmar One" panose="020B0604020202020204" charset="-93"/>
+                <a:latin typeface="Sigmar One" panose="00000500000000000000" charset="-93"/>
               </a:rPr>
               <a:t>Tường</a:t>
             </a:r>
             <a:r>
               <a:rPr lang="en-US" sz="2400" dirty="0" smtClean="0">
-                <a:latin typeface="Sigmar One" panose="020B0604020202020204" charset="-93"/>
+                <a:latin typeface="Sigmar One" panose="00000500000000000000" charset="-93"/>
               </a:rPr>
               <a:t> </a:t>
             </a:r>
             <a:r>
               <a:rPr lang="en-US" sz="2400" dirty="0" err="1" smtClean="0">
-                <a:latin typeface="Sigmar One" panose="020B0604020202020204" charset="-93"/>
+                <a:latin typeface="Sigmar One" panose="00000500000000000000" charset="-93"/>
               </a:rPr>
               <a:t>Hải</a:t>
             </a:r>
             <a:endParaRPr lang="en-US" sz="2400" dirty="0" smtClean="0">
-              <a:latin typeface="Sigmar One" panose="020B0604020202020204" charset="-93"/>
+              <a:latin typeface="Sigmar One" panose="00000500000000000000" charset="-93"/>
             </a:endParaRPr>
           </a:p>
           <a:p>
             <a:pPr algn="ctr"/>
             <a:r>
               <a:rPr lang="en-US" sz="2400" dirty="0" smtClean="0">
-                <a:latin typeface="Sigmar One" panose="020B0604020202020204" charset="-93"/>
+                <a:latin typeface="Sigmar One" panose="00000500000000000000" charset="-93"/>
               </a:rPr>
               <a:t>3118410102</a:t>
             </a:r>
             <a:endParaRPr lang="en-US" sz="2400" dirty="0">
-              <a:latin typeface="Sigmar One" panose="020B0604020202020204" charset="-93"/>
+              <a:latin typeface="Sigmar One" panose="00000500000000000000" charset="-93"/>
             </a:endParaRPr>
           </a:p>
         </p:txBody>
@@ -5222,39 +5041,42 @@
             <a:pPr algn="ctr"/>
             <a:r>
               <a:rPr lang="en-US" sz="2400" dirty="0" err="1" smtClean="0">
-                <a:latin typeface="Sigmar One" panose="020B0604020202020204" charset="-93"/>
+                <a:latin typeface="Sigmar One" panose="00000500000000000000" charset="-93"/>
               </a:rPr>
               <a:t>Huỳnh</a:t>
             </a:r>
             <a:r>
               <a:rPr lang="en-US" sz="2400" dirty="0" smtClean="0">
-                <a:latin typeface="Sigmar One" panose="020B0604020202020204" charset="-93"/>
+                <a:latin typeface="Sigmar One" panose="00000500000000000000" charset="-93"/>
               </a:rPr>
               <a:t> </a:t>
             </a:r>
             <a:r>
               <a:rPr lang="en-US" sz="2400" dirty="0" err="1" smtClean="0">
-                <a:latin typeface="Sigmar One" panose="020B0604020202020204" charset="-93"/>
+                <a:latin typeface="Sigmar One" panose="00000500000000000000" charset="-93"/>
               </a:rPr>
               <a:t>Phạm</a:t>
             </a:r>
             <a:r>
               <a:rPr lang="en-US" sz="2400" dirty="0" smtClean="0">
-                <a:latin typeface="Sigmar One" panose="020B0604020202020204" charset="-93"/>
+                <a:latin typeface="Sigmar One" panose="00000500000000000000" charset="-93"/>
               </a:rPr>
               <a:t> Quốc Đạt</a:t>
             </a:r>
+            <a:endParaRPr lang="en-US" sz="2400" dirty="0" smtClean="0">
+              <a:latin typeface="Sigmar One" panose="00000500000000000000" charset="-93"/>
+            </a:endParaRPr>
           </a:p>
           <a:p>
             <a:pPr algn="ctr"/>
             <a:r>
               <a:rPr lang="en-US" sz="2400" dirty="0" smtClean="0">
-                <a:latin typeface="Sigmar One" panose="020B0604020202020204" charset="-93"/>
+                <a:latin typeface="Sigmar One" panose="00000500000000000000" charset="-93"/>
               </a:rPr>
               <a:t>3118410069</a:t>
             </a:r>
             <a:endParaRPr lang="en-US" sz="2400" dirty="0">
-              <a:latin typeface="Sigmar One" panose="020B0604020202020204" charset="-93"/>
+              <a:latin typeface="Sigmar One" panose="00000500000000000000" charset="-93"/>
             </a:endParaRPr>
           </a:p>
         </p:txBody>
@@ -5284,48 +5106,48 @@
             <a:pPr algn="ctr"/>
             <a:r>
               <a:rPr lang="en-US" sz="2400" dirty="0" err="1" smtClean="0">
-                <a:latin typeface="Sigmar One" panose="020B0604020202020204" charset="-93"/>
+                <a:latin typeface="Sigmar One" panose="00000500000000000000" charset="-93"/>
               </a:rPr>
               <a:t>Lê</a:t>
             </a:r>
             <a:r>
               <a:rPr lang="en-US" sz="2400" dirty="0" smtClean="0">
-                <a:latin typeface="Sigmar One" panose="020B0604020202020204" charset="-93"/>
+                <a:latin typeface="Sigmar One" panose="00000500000000000000" charset="-93"/>
               </a:rPr>
               <a:t> </a:t>
             </a:r>
             <a:r>
               <a:rPr lang="en-US" sz="2400" dirty="0" err="1" smtClean="0">
-                <a:latin typeface="Sigmar One" panose="020B0604020202020204" charset="-93"/>
+                <a:latin typeface="Sigmar One" panose="00000500000000000000" charset="-93"/>
               </a:rPr>
               <a:t>Thanh</a:t>
             </a:r>
             <a:r>
               <a:rPr lang="en-US" sz="2400" dirty="0" smtClean="0">
-                <a:latin typeface="Sigmar One" panose="020B0604020202020204" charset="-93"/>
+                <a:latin typeface="Sigmar One" panose="00000500000000000000" charset="-93"/>
               </a:rPr>
               <a:t> </a:t>
             </a:r>
             <a:r>
               <a:rPr lang="en-US" sz="2400" dirty="0" err="1" smtClean="0">
-                <a:latin typeface="Sigmar One" panose="020B0604020202020204" charset="-93"/>
+                <a:latin typeface="Sigmar One" panose="00000500000000000000" charset="-93"/>
               </a:rPr>
               <a:t>Hòa</a:t>
             </a:r>
             <a:endParaRPr lang="en-US" sz="2400" dirty="0" smtClean="0">
-              <a:latin typeface="Sigmar One" panose="020B0604020202020204" charset="-93"/>
+              <a:latin typeface="Sigmar One" panose="00000500000000000000" charset="-93"/>
             </a:endParaRPr>
           </a:p>
           <a:p>
             <a:pPr algn="ctr"/>
             <a:r>
               <a:rPr lang="en-US" sz="2400" dirty="0" smtClean="0">
-                <a:latin typeface="Sigmar One" panose="020B0604020202020204" charset="-93"/>
+                <a:latin typeface="Sigmar One" panose="00000500000000000000" charset="-93"/>
               </a:rPr>
               <a:t>3118410127</a:t>
             </a:r>
             <a:endParaRPr lang="en-US" sz="2400" dirty="0">
-              <a:latin typeface="Sigmar One" panose="020B0604020202020204" charset="-93"/>
+              <a:latin typeface="Sigmar One" panose="00000500000000000000" charset="-93"/>
             </a:endParaRPr>
           </a:p>
         </p:txBody>
@@ -5355,48 +5177,48 @@
             <a:pPr algn="ctr"/>
             <a:r>
               <a:rPr lang="en-US" sz="2400" dirty="0" err="1" smtClean="0">
-                <a:latin typeface="Sigmar One" panose="020B0604020202020204" charset="-93"/>
+                <a:latin typeface="Sigmar One" panose="00000500000000000000" charset="-93"/>
               </a:rPr>
               <a:t>Nguyễn</a:t>
             </a:r>
             <a:r>
               <a:rPr lang="en-US" sz="2400" dirty="0" smtClean="0">
-                <a:latin typeface="Sigmar One" panose="020B0604020202020204" charset="-93"/>
+                <a:latin typeface="Sigmar One" panose="00000500000000000000" charset="-93"/>
               </a:rPr>
               <a:t> </a:t>
             </a:r>
             <a:r>
               <a:rPr lang="en-US" sz="2400" dirty="0" err="1" smtClean="0">
-                <a:latin typeface="Sigmar One" panose="020B0604020202020204" charset="-93"/>
+                <a:latin typeface="Sigmar One" panose="00000500000000000000" charset="-93"/>
               </a:rPr>
               <a:t>Chí</a:t>
             </a:r>
             <a:r>
               <a:rPr lang="en-US" sz="2400" dirty="0" smtClean="0">
-                <a:latin typeface="Sigmar One" panose="020B0604020202020204" charset="-93"/>
+                <a:latin typeface="Sigmar One" panose="00000500000000000000" charset="-93"/>
               </a:rPr>
               <a:t> </a:t>
             </a:r>
             <a:r>
               <a:rPr lang="en-US" sz="2400" dirty="0" err="1" smtClean="0">
-                <a:latin typeface="Sigmar One" panose="020B0604020202020204" charset="-93"/>
+                <a:latin typeface="Sigmar One" panose="00000500000000000000" charset="-93"/>
               </a:rPr>
               <a:t>Định</a:t>
             </a:r>
             <a:endParaRPr lang="en-US" sz="2400" dirty="0" smtClean="0">
-              <a:latin typeface="Sigmar One" panose="020B0604020202020204" charset="-93"/>
+              <a:latin typeface="Sigmar One" panose="00000500000000000000" charset="-93"/>
             </a:endParaRPr>
           </a:p>
           <a:p>
             <a:pPr algn="ctr"/>
             <a:r>
               <a:rPr lang="en-US" sz="2400" dirty="0" smtClean="0">
-                <a:latin typeface="Sigmar One" panose="020B0604020202020204" charset="-93"/>
+                <a:latin typeface="Sigmar One" panose="00000500000000000000" charset="-93"/>
               </a:rPr>
               <a:t>3118410083</a:t>
             </a:r>
             <a:endParaRPr lang="en-US" sz="2400" dirty="0">
-              <a:latin typeface="Sigmar One" panose="020B0604020202020204" charset="-93"/>
+              <a:latin typeface="Sigmar One" panose="00000500000000000000" charset="-93"/>
             </a:endParaRPr>
           </a:p>
         </p:txBody>
@@ -5410,7 +5232,7 @@
           <p:nvPr/>
         </p:nvPicPr>
         <p:blipFill>
-          <a:blip r:embed="rId8" cstate="print">
+          <a:blip r:embed="rId3" cstate="print">
             <a:extLst>
               <a:ext uri="{28A0092B-C50C-407E-A947-70E740481C1C}">
                 <a14:useLocalDpi xmlns:a14="http://schemas.microsoft.com/office/drawing/2010/main" val="0"/>
@@ -5440,7 +5262,7 @@
           <p:nvPr/>
         </p:nvPicPr>
         <p:blipFill>
-          <a:blip r:embed="rId8" cstate="print">
+          <a:blip r:embed="rId3" cstate="print">
             <a:extLst>
               <a:ext uri="{28A0092B-C50C-407E-A947-70E740481C1C}">
                 <a14:useLocalDpi xmlns:a14="http://schemas.microsoft.com/office/drawing/2010/main" val="0"/>
@@ -5470,7 +5292,7 @@
           <p:nvPr/>
         </p:nvPicPr>
         <p:blipFill>
-          <a:blip r:embed="rId8" cstate="print">
+          <a:blip r:embed="rId3" cstate="print">
             <a:extLst>
               <a:ext uri="{28A0092B-C50C-407E-A947-70E740481C1C}">
                 <a14:useLocalDpi xmlns:a14="http://schemas.microsoft.com/office/drawing/2010/main" val="0"/>
@@ -5500,7 +5322,7 @@
           <p:nvPr/>
         </p:nvPicPr>
         <p:blipFill>
-          <a:blip r:embed="rId8" cstate="print">
+          <a:blip r:embed="rId3" cstate="print">
             <a:extLst>
               <a:ext uri="{28A0092B-C50C-407E-A947-70E740481C1C}">
                 <a14:useLocalDpi xmlns:a14="http://schemas.microsoft.com/office/drawing/2010/main" val="0"/>
@@ -5526,13 +5348,13 @@
   <p:clrMapOvr>
     <a:masterClrMapping/>
   </p:clrMapOvr>
-  <mc:AlternateContent xmlns:mc="http://schemas.openxmlformats.org/markup-compatibility/2006" xmlns:p14="http://schemas.microsoft.com/office/powerpoint/2010/main">
-    <mc:Choice Requires="p14">
+  <mc:AlternateContent xmlns:mc="http://schemas.openxmlformats.org/markup-compatibility/2006">
+    <mc:Choice xmlns:p14="http://schemas.microsoft.com/office/powerpoint/2010/main" Requires="p14">
       <p:transition spd="med" p14:dur="700">
         <p:fade/>
       </p:transition>
     </mc:Choice>
-    <mc:Fallback xmlns="">
+    <mc:Fallback>
       <p:transition spd="med">
         <p:fade/>
       </p:transition>
@@ -5574,13 +5396,13 @@
           <p:nvPr/>
         </p:nvPicPr>
         <p:blipFill>
-          <a:blip r:embed="rId2">
+          <a:blip r:embed="rId1">
             <a:extLst>
               <a:ext uri="{28A0092B-C50C-407E-A947-70E740481C1C}">
                 <a14:useLocalDpi xmlns:a14="http://schemas.microsoft.com/office/drawing/2010/main" val="0"/>
               </a:ext>
               <a:ext uri="{96DAC541-7B7A-43D3-8B79-37D633B846F1}">
-                <asvg:svgBlip xmlns="" xmlns:asvg="http://schemas.microsoft.com/office/drawing/2016/SVG/main" r:embed="rId3"/>
+                <asvg:svgBlip xmlns:asvg="http://schemas.microsoft.com/office/drawing/2016/SVG/main" r:embed="rId2"/>
               </a:ext>
             </a:extLst>
           </a:blip>
@@ -5622,7 +5444,7 @@
           <a:p>
             <a:pPr marL="0" lvl="0" indent="0">
               <a:lnSpc>
-                <a:spcPts val="8717"/>
+                <a:spcPts val="8715"/>
               </a:lnSpc>
               <a:spcBef>
                 <a:spcPct val="0"/>
@@ -5633,7 +5455,7 @@
                 <a:solidFill>
                   <a:srgbClr val="32478C"/>
                 </a:solidFill>
-                <a:latin typeface="Sigmar One"/>
+                <a:latin typeface="Sigmar One" panose="00000500000000000000"/>
               </a:rPr>
               <a:t>Công</a:t>
             </a:r>
@@ -5642,7 +5464,7 @@
                 <a:solidFill>
                   <a:srgbClr val="32478C"/>
                 </a:solidFill>
-                <a:latin typeface="Sigmar One"/>
+                <a:latin typeface="Sigmar One" panose="00000500000000000000"/>
               </a:rPr>
               <a:t> </a:t>
             </a:r>
@@ -5651,7 +5473,7 @@
                 <a:solidFill>
                   <a:srgbClr val="32478C"/>
                 </a:solidFill>
-                <a:latin typeface="Sigmar One"/>
+                <a:latin typeface="Sigmar One" panose="00000500000000000000"/>
               </a:rPr>
               <a:t>nghệ</a:t>
             </a:r>
@@ -5659,7 +5481,7 @@
               <a:solidFill>
                 <a:srgbClr val="32478C"/>
               </a:solidFill>
-              <a:latin typeface="Sigmar One"/>
+              <a:latin typeface="Sigmar One" panose="00000500000000000000"/>
             </a:endParaRPr>
           </a:p>
         </p:txBody>
@@ -5673,13 +5495,13 @@
           <p:nvPr/>
         </p:nvPicPr>
         <p:blipFill>
-          <a:blip r:embed="rId4">
+          <a:blip r:embed="rId3">
             <a:extLst>
               <a:ext uri="{28A0092B-C50C-407E-A947-70E740481C1C}">
                 <a14:useLocalDpi xmlns:a14="http://schemas.microsoft.com/office/drawing/2010/main" val="0"/>
               </a:ext>
               <a:ext uri="{96DAC541-7B7A-43D3-8B79-37D633B846F1}">
-                <asvg:svgBlip xmlns="" xmlns:asvg="http://schemas.microsoft.com/office/drawing/2016/SVG/main" r:embed="rId5"/>
+                <asvg:svgBlip xmlns:asvg="http://schemas.microsoft.com/office/drawing/2016/SVG/main" r:embed="rId4"/>
               </a:ext>
             </a:extLst>
           </a:blip>
@@ -6022,6 +5844,12 @@
               </a:rPr>
               <a:t>Database:</a:t>
             </a:r>
+            <a:endParaRPr lang="en-US" sz="3200" dirty="0" smtClean="0">
+              <a:solidFill>
+                <a:srgbClr val="32478C"/>
+              </a:solidFill>
+              <a:latin typeface="Public Sans Bold"/>
+            </a:endParaRPr>
           </a:p>
           <a:p>
             <a:pPr algn="ctr">
@@ -6052,13 +5880,13 @@
   <p:clrMapOvr>
     <a:masterClrMapping/>
   </p:clrMapOvr>
-  <mc:AlternateContent xmlns:mc="http://schemas.openxmlformats.org/markup-compatibility/2006" xmlns:p14="http://schemas.microsoft.com/office/powerpoint/2010/main">
-    <mc:Choice Requires="p14">
+  <mc:AlternateContent xmlns:mc="http://schemas.openxmlformats.org/markup-compatibility/2006">
+    <mc:Choice xmlns:p14="http://schemas.microsoft.com/office/powerpoint/2010/main" Requires="p14">
       <p:transition spd="med" p14:dur="700">
         <p:fade/>
       </p:transition>
     </mc:Choice>
-    <mc:Fallback xmlns="">
+    <mc:Fallback>
       <p:transition spd="med">
         <p:fade/>
       </p:transition>
@@ -6108,13 +5936,13 @@
           <p:nvPr/>
         </p:nvPicPr>
         <p:blipFill>
-          <a:blip r:embed="rId2">
+          <a:blip r:embed="rId1">
             <a:extLst>
               <a:ext uri="{28A0092B-C50C-407E-A947-70E740481C1C}">
                 <a14:useLocalDpi xmlns:a14="http://schemas.microsoft.com/office/drawing/2010/main" val="0"/>
               </a:ext>
               <a:ext uri="{96DAC541-7B7A-43D3-8B79-37D633B846F1}">
-                <asvg:svgBlip xmlns="" xmlns:asvg="http://schemas.microsoft.com/office/drawing/2016/SVG/main" r:embed="rId3"/>
+                <asvg:svgBlip xmlns:asvg="http://schemas.microsoft.com/office/drawing/2016/SVG/main" r:embed="rId2"/>
               </a:ext>
             </a:extLst>
           </a:blip>
@@ -6156,7 +5984,7 @@
           <a:p>
             <a:pPr marL="0" lvl="0" indent="0">
               <a:lnSpc>
-                <a:spcPts val="9522"/>
+                <a:spcPts val="9520"/>
               </a:lnSpc>
               <a:spcBef>
                 <a:spcPct val="0"/>
@@ -6167,7 +5995,7 @@
                 <a:solidFill>
                   <a:srgbClr val="32478C"/>
                 </a:solidFill>
-                <a:latin typeface="Sigmar One"/>
+                <a:latin typeface="Sigmar One" panose="00000500000000000000"/>
               </a:rPr>
               <a:t>DEMO</a:t>
             </a:r>
@@ -6175,7 +6003,7 @@
               <a:solidFill>
                 <a:srgbClr val="32478C"/>
               </a:solidFill>
-              <a:latin typeface="Sigmar One"/>
+              <a:latin typeface="Sigmar One" panose="00000500000000000000"/>
             </a:endParaRPr>
           </a:p>
         </p:txBody>
@@ -6189,13 +6017,13 @@
           <p:nvPr/>
         </p:nvPicPr>
         <p:blipFill>
-          <a:blip r:embed="rId4">
+          <a:blip r:embed="rId3">
             <a:extLst>
               <a:ext uri="{28A0092B-C50C-407E-A947-70E740481C1C}">
                 <a14:useLocalDpi xmlns:a14="http://schemas.microsoft.com/office/drawing/2010/main" val="0"/>
               </a:ext>
               <a:ext uri="{96DAC541-7B7A-43D3-8B79-37D633B846F1}">
-                <asvg:svgBlip xmlns="" xmlns:asvg="http://schemas.microsoft.com/office/drawing/2016/SVG/main" r:embed="rId5"/>
+                <asvg:svgBlip xmlns:asvg="http://schemas.microsoft.com/office/drawing/2016/SVG/main" r:embed="rId4"/>
               </a:ext>
             </a:extLst>
           </a:blip>
@@ -6219,13 +6047,13 @@
   <p:clrMapOvr>
     <a:masterClrMapping/>
   </p:clrMapOvr>
-  <mc:AlternateContent xmlns:mc="http://schemas.openxmlformats.org/markup-compatibility/2006" xmlns:p14="http://schemas.microsoft.com/office/powerpoint/2010/main">
-    <mc:Choice Requires="p14">
+  <mc:AlternateContent xmlns:mc="http://schemas.openxmlformats.org/markup-compatibility/2006">
+    <mc:Choice xmlns:p14="http://schemas.microsoft.com/office/powerpoint/2010/main" Requires="p14">
       <p:transition spd="med" p14:dur="700">
         <p:fade/>
       </p:transition>
     </mc:Choice>
-    <mc:Fallback xmlns="">
+    <mc:Fallback>
       <p:transition spd="med">
         <p:fade/>
       </p:transition>
@@ -6519,7 +6347,10 @@
       </a:bgFillStyleLst>
     </a:fmtScheme>
   </a:themeElements>
-  <a:objectDefaults/>
-  <a:extraClrSchemeLst/>
+  <a:extLst>
+    <a:ext uri="{05A4C25C-085E-4340-85A3-A5531E510DB2}">
+      <thm15:themeFamily xmlns:thm15="http://schemas.microsoft.com/office/thememl/2012/main" name="Office Theme" id="{62F939B6-93AF-4DB8-9C6B-D6C7DFDC589F}" vid="{4A3C46E8-61CC-4603-A589-7422A47A8E4A}"/>
+    </a:ext>
+  </a:extLst>
 </a:theme>
 </file>